--- a/others/SIEM_Visulization_National_Threats/img/designDoc.pptx
+++ b/others/SIEM_Visulization_National_Threats/img/designDoc.pptx
@@ -104,6 +104,11 @@
       </a:defRPr>
     </a:lvl9pPr>
   </p:defaultTextStyle>
+  <p:extLst>
+    <p:ext uri="{EFAFB233-063F-42B5-8137-9DF3F51BA10A}">
+      <p15:sldGuideLst xmlns:p15="http://schemas.microsoft.com/office/powerpoint/2012/main"/>
+    </p:ext>
+  </p:extLst>
 </p:presentation>
 </file>
 
@@ -256,7 +261,7 @@
           <a:p>
             <a:fld id="{CDC98657-0BC1-4190-9EED-34F8861D1841}" type="datetimeFigureOut">
               <a:rPr lang="en-SG" smtClean="0"/>
-              <a:t>20/10/2024</a:t>
+              <a:t>18/12/2024</a:t>
             </a:fld>
             <a:endParaRPr lang="en-SG"/>
           </a:p>
@@ -456,7 +461,7 @@
           <a:p>
             <a:fld id="{CDC98657-0BC1-4190-9EED-34F8861D1841}" type="datetimeFigureOut">
               <a:rPr lang="en-SG" smtClean="0"/>
-              <a:t>20/10/2024</a:t>
+              <a:t>18/12/2024</a:t>
             </a:fld>
             <a:endParaRPr lang="en-SG"/>
           </a:p>
@@ -666,7 +671,7 @@
           <a:p>
             <a:fld id="{CDC98657-0BC1-4190-9EED-34F8861D1841}" type="datetimeFigureOut">
               <a:rPr lang="en-SG" smtClean="0"/>
-              <a:t>20/10/2024</a:t>
+              <a:t>18/12/2024</a:t>
             </a:fld>
             <a:endParaRPr lang="en-SG"/>
           </a:p>
@@ -866,7 +871,7 @@
           <a:p>
             <a:fld id="{CDC98657-0BC1-4190-9EED-34F8861D1841}" type="datetimeFigureOut">
               <a:rPr lang="en-SG" smtClean="0"/>
-              <a:t>20/10/2024</a:t>
+              <a:t>18/12/2024</a:t>
             </a:fld>
             <a:endParaRPr lang="en-SG"/>
           </a:p>
@@ -1142,7 +1147,7 @@
           <a:p>
             <a:fld id="{CDC98657-0BC1-4190-9EED-34F8861D1841}" type="datetimeFigureOut">
               <a:rPr lang="en-SG" smtClean="0"/>
-              <a:t>20/10/2024</a:t>
+              <a:t>18/12/2024</a:t>
             </a:fld>
             <a:endParaRPr lang="en-SG"/>
           </a:p>
@@ -1410,7 +1415,7 @@
           <a:p>
             <a:fld id="{CDC98657-0BC1-4190-9EED-34F8861D1841}" type="datetimeFigureOut">
               <a:rPr lang="en-SG" smtClean="0"/>
-              <a:t>20/10/2024</a:t>
+              <a:t>18/12/2024</a:t>
             </a:fld>
             <a:endParaRPr lang="en-SG"/>
           </a:p>
@@ -1825,7 +1830,7 @@
           <a:p>
             <a:fld id="{CDC98657-0BC1-4190-9EED-34F8861D1841}" type="datetimeFigureOut">
               <a:rPr lang="en-SG" smtClean="0"/>
-              <a:t>20/10/2024</a:t>
+              <a:t>18/12/2024</a:t>
             </a:fld>
             <a:endParaRPr lang="en-SG"/>
           </a:p>
@@ -1967,7 +1972,7 @@
           <a:p>
             <a:fld id="{CDC98657-0BC1-4190-9EED-34F8861D1841}" type="datetimeFigureOut">
               <a:rPr lang="en-SG" smtClean="0"/>
-              <a:t>20/10/2024</a:t>
+              <a:t>18/12/2024</a:t>
             </a:fld>
             <a:endParaRPr lang="en-SG"/>
           </a:p>
@@ -2080,7 +2085,7 @@
           <a:p>
             <a:fld id="{CDC98657-0BC1-4190-9EED-34F8861D1841}" type="datetimeFigureOut">
               <a:rPr lang="en-SG" smtClean="0"/>
-              <a:t>20/10/2024</a:t>
+              <a:t>18/12/2024</a:t>
             </a:fld>
             <a:endParaRPr lang="en-SG"/>
           </a:p>
@@ -2393,7 +2398,7 @@
           <a:p>
             <a:fld id="{CDC98657-0BC1-4190-9EED-34F8861D1841}" type="datetimeFigureOut">
               <a:rPr lang="en-SG" smtClean="0"/>
-              <a:t>20/10/2024</a:t>
+              <a:t>18/12/2024</a:t>
             </a:fld>
             <a:endParaRPr lang="en-SG"/>
           </a:p>
@@ -2682,7 +2687,7 @@
           <a:p>
             <a:fld id="{CDC98657-0BC1-4190-9EED-34F8861D1841}" type="datetimeFigureOut">
               <a:rPr lang="en-SG" smtClean="0"/>
-              <a:t>20/10/2024</a:t>
+              <a:t>18/12/2024</a:t>
             </a:fld>
             <a:endParaRPr lang="en-SG"/>
           </a:p>
@@ -2925,7 +2930,7 @@
           <a:p>
             <a:fld id="{CDC98657-0BC1-4190-9EED-34F8861D1841}" type="datetimeFigureOut">
               <a:rPr lang="en-SG" smtClean="0"/>
-              <a:t>20/10/2024</a:t>
+              <a:t>18/12/2024</a:t>
             </a:fld>
             <a:endParaRPr lang="en-SG"/>
           </a:p>
@@ -6665,9 +6670,26 @@
                 <a:ea typeface="等线" panose="02010600030101010101" pitchFamily="2" charset="-122"/>
                 <a:cs typeface="+mn-cs"/>
               </a:rPr>
-              <a:t>SIEM Big Data Visualization: Dashboard for Summarizing Singapore National Cyber Threats </a:t>
-            </a:r>
-            <a:endParaRPr kumimoji="0" lang="zh-CN" altLang="en-US" sz="2000" b="1" i="0" u="none" strike="noStrike" kern="1200" cap="none" spc="0" normalizeH="0" baseline="0" noProof="0" dirty="0">
+              <a:t>SIEM Big Data Visualization</a:t>
+            </a:r>
+            <a:r>
+              <a:rPr kumimoji="0" lang="en-US" altLang="zh-CN" sz="2000" b="1" i="0" u="none" strike="noStrike" kern="1200" cap="none" spc="0" normalizeH="0" baseline="0" noProof="0">
+                <a:ln>
+                  <a:noFill/>
+                </a:ln>
+                <a:solidFill>
+                  <a:prstClr val="black"/>
+                </a:solidFill>
+                <a:effectLst/>
+                <a:uLnTx/>
+                <a:uFillTx/>
+                <a:latin typeface="Calibri" panose="020F0502020204030204"/>
+                <a:ea typeface="等线" panose="02010600030101010101" pitchFamily="2" charset="-122"/>
+                <a:cs typeface="+mn-cs"/>
+              </a:rPr>
+              <a:t>: Dashboard for Summarizing SG National Cyber Threats</a:t>
+            </a:r>
+            <a:endParaRPr kumimoji="0" lang="en-US" altLang="zh-CN" sz="2000" b="1" i="0" u="none" strike="noStrike" kern="1200" cap="none" spc="0" normalizeH="0" baseline="0" noProof="0" dirty="0">
               <a:ln>
                 <a:noFill/>
               </a:ln>
